--- a/slides/09-chi-squared.pptx
+++ b/slides/09-chi-squared.pptx
@@ -49,7 +49,7 @@
     <p:sldId id="330" r:id="rId37"/>
     <p:sldId id="331" r:id="rId38"/>
     <p:sldId id="367" r:id="rId39"/>
-    <p:sldId id="368" r:id="rId40"/>
+    <p:sldId id="381" r:id="rId40"/>
     <p:sldId id="369" r:id="rId41"/>
     <p:sldId id="380" r:id="rId42"/>
   </p:sldIdLst>
@@ -3220,7 +3220,7 @@
     </p:spTree>
     <p:extLst>
       <p:ext uri="{BB962C8B-B14F-4D97-AF65-F5344CB8AC3E}">
-        <p14:creationId xmlns:p14="http://schemas.microsoft.com/office/powerpoint/2010/main" val="3696210134"/>
+        <p14:creationId xmlns:p14="http://schemas.microsoft.com/office/powerpoint/2010/main" val="2061938854"/>
       </p:ext>
     </p:extLst>
   </p:cSld>
@@ -3530,7 +3530,7 @@
           <a:bodyPr/>
           <a:lstStyle/>
           <a:p>
-            <a:endParaRPr lang="en-GB"/>
+            <a:endParaRPr lang="en-GB" dirty="0"/>
           </a:p>
         </p:txBody>
       </p:sp>
@@ -9936,7 +9936,7 @@
           <a:graphicData uri="http://schemas.openxmlformats.org/presentationml/2006/ole">
             <mc:AlternateContent xmlns:mc="http://schemas.openxmlformats.org/markup-compatibility/2006">
               <mc:Choice xmlns:v="urn:schemas-microsoft-com:vml" Requires="v">
-                <p:oleObj spid="_x0000_s7277" name="Equation" r:id="rId4" imgW="1231560" imgH="431640" progId="Equation.3">
+                <p:oleObj spid="_x0000_s7279" name="Equation" r:id="rId4" imgW="1231560" imgH="431640" progId="Equation.3">
                   <p:embed/>
                 </p:oleObj>
               </mc:Choice>
@@ -10446,7 +10446,7 @@
           <a:graphicData uri="http://schemas.openxmlformats.org/presentationml/2006/ole">
             <mc:AlternateContent xmlns:mc="http://schemas.openxmlformats.org/markup-compatibility/2006">
               <mc:Choice xmlns:v="urn:schemas-microsoft-com:vml" Requires="v">
-                <p:oleObj spid="_x0000_s24609" name="Equation" r:id="rId4" imgW="1231560" imgH="431640" progId="Equation.3">
+                <p:oleObj spid="_x0000_s24611" name="Equation" r:id="rId4" imgW="1231560" imgH="431640" progId="Equation.3">
                   <p:embed/>
                 </p:oleObj>
               </mc:Choice>
@@ -10709,6 +10709,13 @@
   <p:clrMapOvr>
     <a:masterClrMapping/>
   </p:clrMapOvr>
+  <p:timing>
+    <p:tnLst>
+      <p:par>
+        <p:cTn id="1" dur="indefinite" restart="never" nodeType="tmRoot"/>
+      </p:par>
+    </p:tnLst>
+  </p:timing>
 </p:sld>
 </file>
 
@@ -13256,7 +13263,7 @@
           <a:graphicData uri="http://schemas.openxmlformats.org/presentationml/2006/ole">
             <mc:AlternateContent xmlns:mc="http://schemas.openxmlformats.org/markup-compatibility/2006">
               <mc:Choice xmlns:v="urn:schemas-microsoft-com:vml" Requires="v">
-                <p:oleObj spid="_x0000_s25627" name="Equation" r:id="rId4" imgW="1231560" imgH="431640" progId="Equation.3">
+                <p:oleObj spid="_x0000_s25629" name="Equation" r:id="rId4" imgW="1231560" imgH="431640" progId="Equation.3">
                   <p:embed/>
                 </p:oleObj>
               </mc:Choice>
@@ -15593,8 +15600,17 @@
               <a:rPr lang="en-GB" dirty="0">
                 <a:latin typeface="Consolas" panose="020B0609020204030204" pitchFamily="49" charset="0"/>
               </a:rPr>
-              <a:t># CHI-SQUARED BY CODING THE FORMULA              #</a:t>
-            </a:r>
+              <a:t># CHI-SQUARED BY </a:t>
+            </a:r>
+            <a:r>
+              <a:rPr lang="en-GB" dirty="0" smtClean="0">
+                <a:latin typeface="Consolas" panose="020B0609020204030204" pitchFamily="49" charset="0"/>
+              </a:rPr>
+              <a:t>INBUILT FUNCTION                #</a:t>
+            </a:r>
+            <a:endParaRPr lang="en-GB" dirty="0">
+              <a:latin typeface="Consolas" panose="020B0609020204030204" pitchFamily="49" charset="0"/>
+            </a:endParaRPr>
           </a:p>
           <a:p>
             <a:r>
@@ -16401,6 +16417,13 @@
   <p:clrMapOvr>
     <a:masterClrMapping/>
   </p:clrMapOvr>
+  <p:timing>
+    <p:tnLst>
+      <p:par>
+        <p:cTn id="1" dur="indefinite" restart="never" nodeType="tmRoot"/>
+      </p:par>
+    </p:tnLst>
+  </p:timing>
 </p:sld>
 </file>
 
@@ -18781,11 +18804,15 @@
             </a:pPr>
             <a:r>
               <a:rPr lang="en-GB" dirty="0"/>
-              <a:t>Overall preference for cabbage = </a:t>
-            </a:r>
-            <a:r>
-              <a:rPr lang="en-GB" dirty="0" smtClean="0"/>
-              <a:t>45/127</a:t>
+              <a:t>Overall preference for cabbage </a:t>
+            </a:r>
+            <a:r>
+              <a:rPr lang="en-GB"/>
+              <a:t>= </a:t>
+            </a:r>
+            <a:r>
+              <a:rPr lang="en-GB" smtClean="0"/>
+              <a:t>52/127</a:t>
             </a:r>
             <a:endParaRPr lang="en-GB" dirty="0"/>
           </a:p>
@@ -19601,7 +19628,7 @@
         <p:spPr>
           <a:xfrm>
             <a:off x="185472" y="2743200"/>
-            <a:ext cx="6563256" cy="3139321"/>
+            <a:ext cx="6563256" cy="2862322"/>
           </a:xfrm>
           <a:prstGeom prst="rect">
             <a:avLst/>
@@ -19643,7 +19670,7 @@
               <a:rPr lang="en-US" dirty="0">
                 <a:latin typeface="Consolas" panose="020B0609020204030204" pitchFamily="49" charset="0"/>
               </a:rPr>
-              <a:t> &lt;- matrix(c(11, 21, 7, </a:t>
+              <a:t> &lt;- matrix(c(11, 19, 22, </a:t>
             </a:r>
           </a:p>
           <a:p>
@@ -19651,7 +19678,7 @@
               <a:rPr lang="en-US" dirty="0">
                 <a:latin typeface="Consolas" panose="020B0609020204030204" pitchFamily="49" charset="0"/>
               </a:rPr>
-              <a:t>                      19, 16, 12,</a:t>
+              <a:t>                      21, 16, 8,</a:t>
             </a:r>
           </a:p>
           <a:p>
@@ -19659,7 +19686,7 @@
               <a:rPr lang="en-US" dirty="0">
                 <a:latin typeface="Consolas" panose="020B0609020204030204" pitchFamily="49" charset="0"/>
               </a:rPr>
-              <a:t>                      22, 8, 11), </a:t>
+              <a:t>                      7, 12, 11), </a:t>
             </a:r>
           </a:p>
           <a:p>
@@ -19699,16 +19726,8 @@
               <a:rPr lang="en-US" dirty="0">
                 <a:latin typeface="Consolas" panose="020B0609020204030204" pitchFamily="49" charset="0"/>
               </a:rPr>
-              <a:t> = TRUE</a:t>
-            </a:r>
-            <a:r>
-              <a:rPr lang="en-US" dirty="0" smtClean="0">
-                <a:latin typeface="Consolas" panose="020B0609020204030204" pitchFamily="49" charset="0"/>
-              </a:rPr>
-              <a:t>)</a:t>
-            </a:r>
-          </a:p>
-          <a:p>
+              <a:t> = TRUE)</a:t>
+            </a:r>
             <a:endParaRPr lang="en-GB" dirty="0" smtClean="0">
               <a:latin typeface="Consolas" panose="020B0609020204030204" pitchFamily="49" charset="0"/>
             </a:endParaRPr>
@@ -19718,80 +19737,41 @@
               <a:rPr lang="en-GB" dirty="0" smtClean="0">
                 <a:latin typeface="Consolas" panose="020B0609020204030204" pitchFamily="49" charset="0"/>
               </a:rPr>
-              <a:t>      </a:t>
-            </a:r>
-            <a:r>
-              <a:rPr lang="en-GB" dirty="0" smtClean="0">
-                <a:latin typeface="Consolas" panose="020B0609020204030204" pitchFamily="49" charset="0"/>
-              </a:rPr>
-              <a:t>[,</a:t>
+              <a:t>     </a:t>
             </a:r>
             <a:r>
               <a:rPr lang="en-GB" dirty="0">
                 <a:latin typeface="Consolas" panose="020B0609020204030204" pitchFamily="49" charset="0"/>
               </a:rPr>
-              <a:t>1] [,2] [,3]</a:t>
-            </a:r>
-          </a:p>
-          <a:p>
-            <a:r>
-              <a:rPr lang="en-GB" dirty="0" smtClean="0">
-                <a:latin typeface="Consolas" panose="020B0609020204030204" pitchFamily="49" charset="0"/>
-              </a:rPr>
-              <a:t> </a:t>
-            </a:r>
-            <a:r>
-              <a:rPr lang="en-GB" dirty="0" smtClean="0">
-                <a:latin typeface="Consolas" panose="020B0609020204030204" pitchFamily="49" charset="0"/>
-              </a:rPr>
-              <a:t>[</a:t>
-            </a:r>
+              <a:t>[,1] [,2] [,3]</a:t>
+            </a:r>
+          </a:p>
+          <a:p>
             <a:r>
               <a:rPr lang="en-GB" dirty="0">
                 <a:latin typeface="Consolas" panose="020B0609020204030204" pitchFamily="49" charset="0"/>
               </a:rPr>
-              <a:t>1,]   11   21    7</a:t>
-            </a:r>
-          </a:p>
-          <a:p>
-            <a:r>
-              <a:rPr lang="en-GB" dirty="0" smtClean="0">
-                <a:latin typeface="Consolas" panose="020B0609020204030204" pitchFamily="49" charset="0"/>
-              </a:rPr>
-              <a:t> </a:t>
-            </a:r>
-            <a:r>
-              <a:rPr lang="en-GB" dirty="0" smtClean="0">
-                <a:latin typeface="Consolas" panose="020B0609020204030204" pitchFamily="49" charset="0"/>
-              </a:rPr>
-              <a:t>[</a:t>
-            </a:r>
+              <a:t>[1,]   11   19   22</a:t>
+            </a:r>
+          </a:p>
+          <a:p>
             <a:r>
               <a:rPr lang="en-GB" dirty="0">
                 <a:latin typeface="Consolas" panose="020B0609020204030204" pitchFamily="49" charset="0"/>
               </a:rPr>
-              <a:t>2,]   19   16   12</a:t>
-            </a:r>
-          </a:p>
-          <a:p>
-            <a:r>
-              <a:rPr lang="en-GB" dirty="0" smtClean="0">
-                <a:latin typeface="Consolas" panose="020B0609020204030204" pitchFamily="49" charset="0"/>
-              </a:rPr>
-              <a:t> </a:t>
-            </a:r>
-            <a:r>
-              <a:rPr lang="en-GB" dirty="0" smtClean="0">
-                <a:latin typeface="Consolas" panose="020B0609020204030204" pitchFamily="49" charset="0"/>
-              </a:rPr>
-              <a:t>[</a:t>
-            </a:r>
+              <a:t>[2,]   21   16    8</a:t>
+            </a:r>
+          </a:p>
+          <a:p>
             <a:r>
               <a:rPr lang="en-GB" dirty="0">
                 <a:latin typeface="Consolas" panose="020B0609020204030204" pitchFamily="49" charset="0"/>
               </a:rPr>
-              <a:t>3,]   22    8   11</a:t>
-            </a:r>
+              <a:t>[3,]    7   12   11</a:t>
+            </a:r>
+            <a:endParaRPr lang="en-GB" dirty="0">
+              <a:latin typeface="Consolas" panose="020B0609020204030204" pitchFamily="49" charset="0"/>
+            </a:endParaRPr>
           </a:p>
         </p:txBody>
       </p:sp>
@@ -20129,7 +20109,7 @@
         <p:spPr>
           <a:xfrm>
             <a:off x="185472" y="2209800"/>
-            <a:ext cx="8120328" cy="3970318"/>
+            <a:ext cx="8120328" cy="3139321"/>
           </a:xfrm>
           <a:prstGeom prst="rect">
             <a:avLst/>
@@ -20206,7 +20186,7 @@
               <a:rPr lang="en-GB" dirty="0">
                 <a:latin typeface="Consolas" panose="020B0609020204030204" pitchFamily="49" charset="0"/>
               </a:rPr>
-              <a:t> &lt;- list(breed = c("welsh",</a:t>
+              <a:t> &lt;- list(food = c("cabbage",</a:t>
             </a:r>
           </a:p>
           <a:p>
@@ -20214,13 +20194,13 @@
               <a:rPr lang="en-GB" dirty="0">
                 <a:latin typeface="Consolas" panose="020B0609020204030204" pitchFamily="49" charset="0"/>
               </a:rPr>
-              <a:t>                       "</a:t>
+              <a:t>                      "</a:t>
             </a:r>
             <a:r>
               <a:rPr lang="en-GB" dirty="0" err="1">
                 <a:latin typeface="Consolas" panose="020B0609020204030204" pitchFamily="49" charset="0"/>
               </a:rPr>
-              <a:t>tamworth</a:t>
+              <a:t>sugarbeet</a:t>
             </a:r>
             <a:r>
               <a:rPr lang="en-GB" dirty="0">
@@ -20234,179 +20214,101 @@
               <a:rPr lang="en-GB" dirty="0">
                 <a:latin typeface="Consolas" panose="020B0609020204030204" pitchFamily="49" charset="0"/>
               </a:rPr>
-              <a:t>                       </a:t>
+              <a:t>                      "swede"),</a:t>
+            </a:r>
+          </a:p>
+          <a:p>
+            <a:r>
+              <a:rPr lang="en-GB" dirty="0">
+                <a:latin typeface="Consolas" panose="020B0609020204030204" pitchFamily="49" charset="0"/>
+              </a:rPr>
+              <a:t>             breed = c("welsh",</a:t>
+            </a:r>
+          </a:p>
+          <a:p>
+            <a:r>
+              <a:rPr lang="en-GB" dirty="0">
+                <a:latin typeface="Consolas" panose="020B0609020204030204" pitchFamily="49" charset="0"/>
+              </a:rPr>
+              <a:t>                       "</a:t>
+            </a:r>
+            <a:r>
+              <a:rPr lang="en-GB" dirty="0" err="1">
+                <a:latin typeface="Consolas" panose="020B0609020204030204" pitchFamily="49" charset="0"/>
+              </a:rPr>
+              <a:t>tamworth</a:t>
+            </a:r>
+            <a:r>
+              <a:rPr lang="en-GB" dirty="0">
+                <a:latin typeface="Consolas" panose="020B0609020204030204" pitchFamily="49" charset="0"/>
+              </a:rPr>
+              <a:t>",</a:t>
+            </a:r>
+          </a:p>
+          <a:p>
+            <a:r>
+              <a:rPr lang="en-GB" dirty="0">
+                <a:latin typeface="Consolas" panose="020B0609020204030204" pitchFamily="49" charset="0"/>
+              </a:rPr>
+              <a:t>                       "</a:t>
+            </a:r>
+            <a:r>
+              <a:rPr lang="en-GB" dirty="0" err="1">
+                <a:latin typeface="Consolas" panose="020B0609020204030204" pitchFamily="49" charset="0"/>
+              </a:rPr>
+              <a:t>essex</a:t>
             </a:r>
             <a:r>
               <a:rPr lang="en-GB" dirty="0" smtClean="0">
                 <a:latin typeface="Consolas" panose="020B0609020204030204" pitchFamily="49" charset="0"/>
               </a:rPr>
-              <a:t>“</a:t>
-            </a:r>
-            <a:r>
-              <a:rPr lang="en-GB" dirty="0" err="1" smtClean="0">
-                <a:latin typeface="Consolas" panose="020B0609020204030204" pitchFamily="49" charset="0"/>
-              </a:rPr>
-              <a:t>essex</a:t>
-            </a:r>
-            <a:r>
-              <a:rPr lang="en-GB" dirty="0">
-                <a:latin typeface="Consolas" panose="020B0609020204030204" pitchFamily="49" charset="0"/>
-              </a:rPr>
-              <a:t>"),</a:t>
-            </a:r>
-          </a:p>
-          <a:p>
-            <a:r>
-              <a:rPr lang="en-GB" dirty="0">
-                <a:latin typeface="Consolas" panose="020B0609020204030204" pitchFamily="49" charset="0"/>
-              </a:rPr>
-              <a:t>             food = c("cabbage",</a:t>
-            </a:r>
-          </a:p>
-          <a:p>
-            <a:r>
-              <a:rPr lang="en-GB" dirty="0">
-                <a:latin typeface="Consolas" panose="020B0609020204030204" pitchFamily="49" charset="0"/>
-              </a:rPr>
-              <a:t>                      "</a:t>
-            </a:r>
-            <a:r>
-              <a:rPr lang="en-GB" dirty="0" err="1">
-                <a:latin typeface="Consolas" panose="020B0609020204030204" pitchFamily="49" charset="0"/>
-              </a:rPr>
-              <a:t>sugarbeet</a:t>
-            </a:r>
-            <a:r>
-              <a:rPr lang="en-GB" dirty="0">
-                <a:latin typeface="Consolas" panose="020B0609020204030204" pitchFamily="49" charset="0"/>
-              </a:rPr>
-              <a:t>",</a:t>
-            </a:r>
-          </a:p>
-          <a:p>
-            <a:r>
-              <a:rPr lang="en-GB" dirty="0">
-                <a:latin typeface="Consolas" panose="020B0609020204030204" pitchFamily="49" charset="0"/>
-              </a:rPr>
-              <a:t>                      "swede"))</a:t>
-            </a:r>
-          </a:p>
-          <a:p>
-            <a:r>
-              <a:rPr lang="en-GB" dirty="0" err="1">
-                <a:latin typeface="Consolas" panose="020B0609020204030204" pitchFamily="49" charset="0"/>
-              </a:rPr>
-              <a:t>food_pref</a:t>
-            </a:r>
-            <a:r>
-              <a:rPr lang="en-GB" dirty="0">
-                <a:latin typeface="Consolas" panose="020B0609020204030204" pitchFamily="49" charset="0"/>
-              </a:rPr>
-              <a:t> &lt;- </a:t>
-            </a:r>
-            <a:r>
-              <a:rPr lang="en-US" dirty="0">
-                <a:latin typeface="Consolas" panose="020B0609020204030204" pitchFamily="49" charset="0"/>
-              </a:rPr>
-              <a:t>matrix(c(11, 21, 7, </a:t>
-            </a:r>
-          </a:p>
-          <a:p>
-            <a:r>
-              <a:rPr lang="en-US" dirty="0">
-                <a:latin typeface="Consolas" panose="020B0609020204030204" pitchFamily="49" charset="0"/>
-              </a:rPr>
-              <a:t>                      19, 16, 12,</a:t>
-            </a:r>
-          </a:p>
-          <a:p>
-            <a:r>
-              <a:rPr lang="en-US" dirty="0">
-                <a:latin typeface="Consolas" panose="020B0609020204030204" pitchFamily="49" charset="0"/>
-              </a:rPr>
-              <a:t>                      22, 8, 11), </a:t>
-            </a:r>
-          </a:p>
-          <a:p>
-            <a:r>
-              <a:rPr lang="en-US" dirty="0">
-                <a:latin typeface="Consolas" panose="020B0609020204030204" pitchFamily="49" charset="0"/>
-              </a:rPr>
-              <a:t>                    </a:t>
-            </a:r>
-            <a:r>
-              <a:rPr lang="en-US" dirty="0" err="1">
-                <a:latin typeface="Consolas" panose="020B0609020204030204" pitchFamily="49" charset="0"/>
-              </a:rPr>
-              <a:t>nrow</a:t>
-            </a:r>
-            <a:r>
-              <a:rPr lang="en-US" dirty="0">
-                <a:latin typeface="Consolas" panose="020B0609020204030204" pitchFamily="49" charset="0"/>
-              </a:rPr>
-              <a:t> = 3,</a:t>
-            </a:r>
-          </a:p>
-          <a:p>
-            <a:r>
-              <a:rPr lang="en-US" dirty="0">
-                <a:latin typeface="Consolas" panose="020B0609020204030204" pitchFamily="49" charset="0"/>
-              </a:rPr>
-              <a:t>                    </a:t>
-            </a:r>
-            <a:r>
-              <a:rPr lang="en-US" dirty="0" err="1">
-                <a:latin typeface="Consolas" panose="020B0609020204030204" pitchFamily="49" charset="0"/>
-              </a:rPr>
-              <a:t>byrow</a:t>
-            </a:r>
-            <a:r>
-              <a:rPr lang="en-US" dirty="0">
-                <a:latin typeface="Consolas" panose="020B0609020204030204" pitchFamily="49" charset="0"/>
-              </a:rPr>
-              <a:t> = TRUE</a:t>
-            </a:r>
-            <a:r>
-              <a:rPr lang="en-GB" dirty="0" smtClean="0">
-                <a:latin typeface="Consolas" panose="020B0609020204030204" pitchFamily="49" charset="0"/>
-              </a:rPr>
-              <a:t>,</a:t>
-            </a:r>
+              <a:t>"))</a:t>
+            </a:r>
+          </a:p>
+          <a:p>
+            <a:endParaRPr lang="en-GB" dirty="0" smtClean="0">
+              <a:latin typeface="Consolas" panose="020B0609020204030204" pitchFamily="49" charset="0"/>
+            </a:endParaRPr>
+          </a:p>
+          <a:p>
             <a:endParaRPr lang="en-GB" dirty="0">
               <a:latin typeface="Consolas" panose="020B0609020204030204" pitchFamily="49" charset="0"/>
             </a:endParaRPr>
           </a:p>
           <a:p>
             <a:r>
+              <a:rPr lang="en-GB" dirty="0" err="1" smtClean="0">
+                <a:latin typeface="Consolas" panose="020B0609020204030204" pitchFamily="49" charset="0"/>
+              </a:rPr>
+              <a:t>dimnames</a:t>
+            </a:r>
+            <a:r>
+              <a:rPr lang="en-GB" dirty="0" smtClean="0">
+                <a:latin typeface="Consolas" panose="020B0609020204030204" pitchFamily="49" charset="0"/>
+              </a:rPr>
+              <a:t>(</a:t>
+            </a:r>
+            <a:r>
+              <a:rPr lang="en-GB" dirty="0" err="1" smtClean="0">
+                <a:latin typeface="Consolas" panose="020B0609020204030204" pitchFamily="49" charset="0"/>
+              </a:rPr>
+              <a:t>food_pref</a:t>
+            </a:r>
+            <a:r>
               <a:rPr lang="en-GB" dirty="0">
                 <a:latin typeface="Consolas" panose="020B0609020204030204" pitchFamily="49" charset="0"/>
               </a:rPr>
-              <a:t>                    </a:t>
+              <a:t>) &lt;- </a:t>
             </a:r>
             <a:r>
               <a:rPr lang="en-GB" dirty="0" err="1">
                 <a:latin typeface="Consolas" panose="020B0609020204030204" pitchFamily="49" charset="0"/>
               </a:rPr>
-              <a:t>dimnames</a:t>
-            </a:r>
-            <a:r>
-              <a:rPr lang="en-GB" dirty="0">
-                <a:latin typeface="Consolas" panose="020B0609020204030204" pitchFamily="49" charset="0"/>
-              </a:rPr>
-              <a:t> = </a:t>
-            </a:r>
-            <a:r>
-              <a:rPr lang="en-GB" dirty="0" err="1">
-                <a:latin typeface="Consolas" panose="020B0609020204030204" pitchFamily="49" charset="0"/>
-              </a:rPr>
               <a:t>vars</a:t>
             </a:r>
-            <a:r>
-              <a:rPr lang="en-GB" dirty="0">
-                <a:latin typeface="Consolas" panose="020B0609020204030204" pitchFamily="49" charset="0"/>
-              </a:rPr>
-              <a:t>)</a:t>
-            </a:r>
+            <a:endParaRPr lang="en-GB" dirty="0">
+              <a:latin typeface="Consolas" panose="020B0609020204030204" pitchFamily="49" charset="0"/>
+            </a:endParaRPr>
           </a:p>
         </p:txBody>
       </p:sp>
@@ -20766,13 +20668,39 @@
               <a:rPr lang="en-GB" dirty="0" smtClean="0">
                 <a:latin typeface="Consolas" panose="020B0609020204030204" pitchFamily="49" charset="0"/>
               </a:rPr>
-              <a:t>           </a:t>
-            </a:r>
-            <a:r>
-              <a:rPr lang="en-GB" dirty="0" smtClean="0">
+              <a:t>            </a:t>
+            </a:r>
+            <a:r>
+              <a:rPr lang="en-GB" dirty="0">
                 <a:latin typeface="Consolas" panose="020B0609020204030204" pitchFamily="49" charset="0"/>
               </a:rPr>
-              <a:t>food</a:t>
+              <a:t>breed</a:t>
+            </a:r>
+          </a:p>
+          <a:p>
+            <a:r>
+              <a:rPr lang="en-GB" dirty="0">
+                <a:latin typeface="Consolas" panose="020B0609020204030204" pitchFamily="49" charset="0"/>
+              </a:rPr>
+              <a:t>food        welsh </a:t>
+            </a:r>
+            <a:r>
+              <a:rPr lang="en-GB" dirty="0" err="1">
+                <a:latin typeface="Consolas" panose="020B0609020204030204" pitchFamily="49" charset="0"/>
+              </a:rPr>
+              <a:t>tamworth</a:t>
+            </a:r>
+            <a:r>
+              <a:rPr lang="en-GB" dirty="0">
+                <a:latin typeface="Consolas" panose="020B0609020204030204" pitchFamily="49" charset="0"/>
+              </a:rPr>
+              <a:t> </a:t>
+            </a:r>
+            <a:r>
+              <a:rPr lang="en-GB" dirty="0" err="1">
+                <a:latin typeface="Consolas" panose="020B0609020204030204" pitchFamily="49" charset="0"/>
+              </a:rPr>
+              <a:t>essex</a:t>
             </a:r>
             <a:endParaRPr lang="en-GB" dirty="0">
               <a:latin typeface="Consolas" panose="020B0609020204030204" pitchFamily="49" charset="0"/>
@@ -20780,22 +20708,18 @@
           </a:p>
           <a:p>
             <a:r>
-              <a:rPr lang="en-GB" dirty="0" smtClean="0">
-                <a:latin typeface="Consolas" panose="020B0609020204030204" pitchFamily="49" charset="0"/>
-              </a:rPr>
-              <a:t> </a:t>
-            </a:r>
-            <a:r>
-              <a:rPr lang="en-GB" dirty="0" smtClean="0">
-                <a:latin typeface="Consolas" panose="020B0609020204030204" pitchFamily="49" charset="0"/>
-              </a:rPr>
-              <a:t>breed      </a:t>
-            </a:r>
-            <a:r>
               <a:rPr lang="en-GB" dirty="0">
                 <a:latin typeface="Consolas" panose="020B0609020204030204" pitchFamily="49" charset="0"/>
               </a:rPr>
-              <a:t>cabbage </a:t>
+              <a:t>  cabbage      11       19    22</a:t>
+            </a:r>
+          </a:p>
+          <a:p>
+            <a:r>
+              <a:rPr lang="en-GB" dirty="0">
+                <a:latin typeface="Consolas" panose="020B0609020204030204" pitchFamily="49" charset="0"/>
+              </a:rPr>
+              <a:t>  </a:t>
             </a:r>
             <a:r>
               <a:rPr lang="en-GB" dirty="0" err="1">
@@ -20807,74 +20731,19 @@
               <a:rPr lang="en-GB" dirty="0">
                 <a:latin typeface="Consolas" panose="020B0609020204030204" pitchFamily="49" charset="0"/>
               </a:rPr>
-              <a:t> swede</a:t>
-            </a:r>
-          </a:p>
-          <a:p>
-            <a:r>
-              <a:rPr lang="en-GB" dirty="0" smtClean="0">
-                <a:latin typeface="Consolas" panose="020B0609020204030204" pitchFamily="49" charset="0"/>
-              </a:rPr>
-              <a:t>   </a:t>
-            </a:r>
+              <a:t>    21       16     8</a:t>
+            </a:r>
+          </a:p>
+          <a:p>
             <a:r>
               <a:rPr lang="en-GB" dirty="0">
                 <a:latin typeface="Consolas" panose="020B0609020204030204" pitchFamily="49" charset="0"/>
               </a:rPr>
-              <a:t>welsh         11        21     7</a:t>
-            </a:r>
-          </a:p>
-          <a:p>
-            <a:r>
-              <a:rPr lang="en-GB" dirty="0" smtClean="0">
-                <a:latin typeface="Consolas" panose="020B0609020204030204" pitchFamily="49" charset="0"/>
-              </a:rPr>
-              <a:t>   </a:t>
-            </a:r>
-            <a:r>
-              <a:rPr lang="en-GB" dirty="0" err="1" smtClean="0">
-                <a:latin typeface="Consolas" panose="020B0609020204030204" pitchFamily="49" charset="0"/>
-              </a:rPr>
-              <a:t>tamworth</a:t>
-            </a:r>
-            <a:r>
-              <a:rPr lang="en-GB" dirty="0" smtClean="0">
-                <a:latin typeface="Consolas" panose="020B0609020204030204" pitchFamily="49" charset="0"/>
-              </a:rPr>
-              <a:t>      </a:t>
-            </a:r>
-            <a:r>
-              <a:rPr lang="en-GB" dirty="0">
-                <a:latin typeface="Consolas" panose="020B0609020204030204" pitchFamily="49" charset="0"/>
-              </a:rPr>
-              <a:t>19        16    12</a:t>
-            </a:r>
-          </a:p>
-          <a:p>
-            <a:r>
-              <a:rPr lang="en-GB" dirty="0" smtClean="0">
-                <a:latin typeface="Consolas" panose="020B0609020204030204" pitchFamily="49" charset="0"/>
-              </a:rPr>
-              <a:t>   </a:t>
-            </a:r>
-            <a:r>
-              <a:rPr lang="en-GB" dirty="0" err="1" smtClean="0">
-                <a:latin typeface="Consolas" panose="020B0609020204030204" pitchFamily="49" charset="0"/>
-              </a:rPr>
-              <a:t>essex</a:t>
-            </a:r>
-            <a:r>
-              <a:rPr lang="en-GB" dirty="0" smtClean="0">
-                <a:latin typeface="Consolas" panose="020B0609020204030204" pitchFamily="49" charset="0"/>
-              </a:rPr>
-              <a:t>         </a:t>
-            </a:r>
-            <a:r>
-              <a:rPr lang="en-GB" dirty="0">
-                <a:latin typeface="Consolas" panose="020B0609020204030204" pitchFamily="49" charset="0"/>
-              </a:rPr>
-              <a:t>22         8    11</a:t>
-            </a:r>
+              <a:t>  swede         7       12    11</a:t>
+            </a:r>
+            <a:endParaRPr lang="en-GB" dirty="0">
+              <a:latin typeface="Consolas" panose="020B0609020204030204" pitchFamily="49" charset="0"/>
+            </a:endParaRPr>
           </a:p>
         </p:txBody>
       </p:sp>
@@ -21859,149 +21728,6 @@
       </p:sp>
       <p:sp>
         <p:nvSpPr>
-          <p:cNvPr id="8" name="Rectangle 7"/>
-          <p:cNvSpPr/>
-          <p:nvPr/>
-        </p:nvSpPr>
-        <p:spPr>
-          <a:xfrm>
-            <a:off x="457200" y="2637472"/>
-            <a:ext cx="6563256" cy="1477328"/>
-          </a:xfrm>
-          <a:prstGeom prst="rect">
-            <a:avLst/>
-          </a:prstGeom>
-          <a:solidFill>
-            <a:schemeClr val="accent6">
-              <a:lumMod val="20000"/>
-              <a:lumOff val="80000"/>
-            </a:schemeClr>
-          </a:solidFill>
-        </p:spPr>
-        <p:txBody>
-          <a:bodyPr wrap="square">
-            <a:spAutoFit/>
-          </a:bodyPr>
-          <a:lstStyle/>
-          <a:p>
-            <a:r>
-              <a:rPr lang="en-GB" dirty="0" smtClean="0">
-                <a:latin typeface="Consolas" panose="020B0609020204030204" pitchFamily="49" charset="0"/>
-              </a:rPr>
-              <a:t>#           </a:t>
-            </a:r>
-            <a:r>
-              <a:rPr lang="en-GB" dirty="0" smtClean="0">
-                <a:latin typeface="Consolas" panose="020B0609020204030204" pitchFamily="49" charset="0"/>
-              </a:rPr>
-              <a:t>food</a:t>
-            </a:r>
-            <a:endParaRPr lang="en-GB" dirty="0">
-              <a:latin typeface="Consolas" panose="020B0609020204030204" pitchFamily="49" charset="0"/>
-            </a:endParaRPr>
-          </a:p>
-          <a:p>
-            <a:r>
-              <a:rPr lang="en-GB" dirty="0" smtClean="0">
-                <a:latin typeface="Consolas" panose="020B0609020204030204" pitchFamily="49" charset="0"/>
-              </a:rPr>
-              <a:t># </a:t>
-            </a:r>
-            <a:r>
-              <a:rPr lang="en-GB" dirty="0" smtClean="0">
-                <a:latin typeface="Consolas" panose="020B0609020204030204" pitchFamily="49" charset="0"/>
-              </a:rPr>
-              <a:t>breed      </a:t>
-            </a:r>
-            <a:r>
-              <a:rPr lang="en-GB" dirty="0">
-                <a:latin typeface="Consolas" panose="020B0609020204030204" pitchFamily="49" charset="0"/>
-              </a:rPr>
-              <a:t>cabbage </a:t>
-            </a:r>
-            <a:r>
-              <a:rPr lang="en-GB" dirty="0" err="1">
-                <a:latin typeface="Consolas" panose="020B0609020204030204" pitchFamily="49" charset="0"/>
-              </a:rPr>
-              <a:t>sugarbeet</a:t>
-            </a:r>
-            <a:r>
-              <a:rPr lang="en-GB" dirty="0">
-                <a:latin typeface="Consolas" panose="020B0609020204030204" pitchFamily="49" charset="0"/>
-              </a:rPr>
-              <a:t> swede</a:t>
-            </a:r>
-          </a:p>
-          <a:p>
-            <a:r>
-              <a:rPr lang="en-GB" dirty="0" smtClean="0">
-                <a:latin typeface="Consolas" panose="020B0609020204030204" pitchFamily="49" charset="0"/>
-              </a:rPr>
-              <a:t>#   </a:t>
-            </a:r>
-            <a:r>
-              <a:rPr lang="en-GB" dirty="0">
-                <a:latin typeface="Consolas" panose="020B0609020204030204" pitchFamily="49" charset="0"/>
-              </a:rPr>
-              <a:t>welsh         11        21     7</a:t>
-            </a:r>
-          </a:p>
-          <a:p>
-            <a:r>
-              <a:rPr lang="en-GB" dirty="0" smtClean="0">
-                <a:latin typeface="Consolas" panose="020B0609020204030204" pitchFamily="49" charset="0"/>
-              </a:rPr>
-              <a:t>#   </a:t>
-            </a:r>
-            <a:r>
-              <a:rPr lang="en-GB" dirty="0" err="1" smtClean="0">
-                <a:latin typeface="Consolas" panose="020B0609020204030204" pitchFamily="49" charset="0"/>
-              </a:rPr>
-              <a:t>tamworth</a:t>
-            </a:r>
-            <a:r>
-              <a:rPr lang="en-GB" dirty="0" smtClean="0">
-                <a:latin typeface="Consolas" panose="020B0609020204030204" pitchFamily="49" charset="0"/>
-              </a:rPr>
-              <a:t>      </a:t>
-            </a:r>
-            <a:r>
-              <a:rPr lang="en-GB" dirty="0">
-                <a:latin typeface="Consolas" panose="020B0609020204030204" pitchFamily="49" charset="0"/>
-              </a:rPr>
-              <a:t>19        16    12</a:t>
-            </a:r>
-          </a:p>
-          <a:p>
-            <a:r>
-              <a:rPr lang="en-GB" dirty="0" smtClean="0">
-                <a:latin typeface="Consolas" panose="020B0609020204030204" pitchFamily="49" charset="0"/>
-              </a:rPr>
-              <a:t>#   </a:t>
-            </a:r>
-            <a:r>
-              <a:rPr lang="en-GB" dirty="0" err="1" smtClean="0">
-                <a:latin typeface="Consolas" panose="020B0609020204030204" pitchFamily="49" charset="0"/>
-              </a:rPr>
-              <a:t>essex</a:t>
-            </a:r>
-            <a:r>
-              <a:rPr lang="en-GB" dirty="0" smtClean="0">
-                <a:latin typeface="Consolas" panose="020B0609020204030204" pitchFamily="49" charset="0"/>
-              </a:rPr>
-              <a:t>         </a:t>
-            </a:r>
-            <a:r>
-              <a:rPr lang="en-GB" dirty="0">
-                <a:latin typeface="Consolas" panose="020B0609020204030204" pitchFamily="49" charset="0"/>
-              </a:rPr>
-              <a:t>22         8    11</a:t>
-            </a:r>
-          </a:p>
-        </p:txBody>
-      </p:sp>
-      <p:sp>
-        <p:nvSpPr>
           <p:cNvPr id="10" name="Content Placeholder 2"/>
           <p:cNvSpPr>
             <a:spLocks noGrp="1"/>
@@ -22086,10 +21812,16 @@
           </a:p>
           <a:p>
             <a:r>
+              <a:rPr lang="en-GB" dirty="0">
+                <a:latin typeface="Consolas" panose="020B0609020204030204" pitchFamily="49" charset="0"/>
+              </a:rPr>
+              <a:t> </a:t>
+            </a:r>
+            <a:r>
               <a:rPr lang="en-GB" dirty="0" smtClean="0">
                 <a:latin typeface="Consolas" panose="020B0609020204030204" pitchFamily="49" charset="0"/>
               </a:rPr>
-              <a:t>#           food</a:t>
+              <a:t>           breed</a:t>
             </a:r>
             <a:endParaRPr lang="en-GB" dirty="0">
               <a:latin typeface="Consolas" panose="020B0609020204030204" pitchFamily="49" charset="0"/>
@@ -22097,54 +21829,28 @@
           </a:p>
           <a:p>
             <a:r>
-              <a:rPr lang="en-GB" dirty="0" smtClean="0">
-                <a:latin typeface="Consolas" panose="020B0609020204030204" pitchFamily="49" charset="0"/>
-              </a:rPr>
-              <a:t># breed      </a:t>
-            </a:r>
-            <a:r>
               <a:rPr lang="en-GB" dirty="0">
                 <a:latin typeface="Consolas" panose="020B0609020204030204" pitchFamily="49" charset="0"/>
               </a:rPr>
-              <a:t>cabbage </a:t>
+              <a:t>food            welsh </a:t>
             </a:r>
             <a:r>
               <a:rPr lang="en-GB" dirty="0" err="1">
                 <a:latin typeface="Consolas" panose="020B0609020204030204" pitchFamily="49" charset="0"/>
               </a:rPr>
-              <a:t>sugarbeet</a:t>
+              <a:t>tamworth</a:t>
             </a:r>
             <a:r>
               <a:rPr lang="en-GB" dirty="0">
                 <a:latin typeface="Consolas" panose="020B0609020204030204" pitchFamily="49" charset="0"/>
               </a:rPr>
-              <a:t> swede</a:t>
-            </a:r>
-          </a:p>
-          <a:p>
-            <a:r>
-              <a:rPr lang="en-GB" dirty="0">
+              <a:t>     </a:t>
+            </a:r>
+            <a:r>
+              <a:rPr lang="en-GB" dirty="0" err="1">
                 <a:latin typeface="Consolas" panose="020B0609020204030204" pitchFamily="49" charset="0"/>
               </a:rPr>
-              <a:t>#   welsh </a:t>
-            </a:r>
-            <a:r>
-              <a:rPr lang="en-GB" dirty="0" smtClean="0">
-                <a:latin typeface="Consolas" panose="020B0609020204030204" pitchFamily="49" charset="0"/>
-              </a:rPr>
-              <a:t>   </a:t>
-            </a:r>
-            <a:r>
-              <a:rPr lang="en-GB" dirty="0" smtClean="0">
-                <a:latin typeface="Consolas" panose="020B0609020204030204" pitchFamily="49" charset="0"/>
-              </a:rPr>
-              <a:t>15.96850  </a:t>
-            </a:r>
-            <a:r>
-              <a:rPr lang="en-GB" dirty="0">
-                <a:latin typeface="Consolas" panose="020B0609020204030204" pitchFamily="49" charset="0"/>
-              </a:rPr>
-              <a:t>13.81890  9.212598</a:t>
+              <a:t>essex</a:t>
             </a:r>
             <a:endParaRPr lang="en-GB" dirty="0">
               <a:latin typeface="Consolas" panose="020B0609020204030204" pitchFamily="49" charset="0"/>
@@ -22155,66 +21861,145 @@
               <a:rPr lang="en-GB" dirty="0">
                 <a:latin typeface="Consolas" panose="020B0609020204030204" pitchFamily="49" charset="0"/>
               </a:rPr>
-              <a:t>#   </a:t>
+              <a:t>  cabbage   15.968504 19.24409 16.787402</a:t>
+            </a:r>
+          </a:p>
+          <a:p>
+            <a:r>
+              <a:rPr lang="en-GB" dirty="0">
+                <a:latin typeface="Consolas" panose="020B0609020204030204" pitchFamily="49" charset="0"/>
+              </a:rPr>
+              <a:t>  </a:t>
             </a:r>
             <a:r>
               <a:rPr lang="en-GB" dirty="0" err="1">
                 <a:latin typeface="Consolas" panose="020B0609020204030204" pitchFamily="49" charset="0"/>
               </a:rPr>
-              <a:t>tamworth</a:t>
+              <a:t>sugarbeet</a:t>
             </a:r>
             <a:r>
               <a:rPr lang="en-GB" dirty="0">
                 <a:latin typeface="Consolas" panose="020B0609020204030204" pitchFamily="49" charset="0"/>
               </a:rPr>
-              <a:t> </a:t>
-            </a:r>
+              <a:t> 13.818898 16.65354 14.527559</a:t>
+            </a:r>
+          </a:p>
+          <a:p>
             <a:r>
               <a:rPr lang="en-GB" dirty="0">
                 <a:latin typeface="Consolas" panose="020B0609020204030204" pitchFamily="49" charset="0"/>
               </a:rPr>
-              <a:t>19.24409  16.65354 11.102362</a:t>
+              <a:t>  swede      9.212598 11.10236  9.685039</a:t>
             </a:r>
             <a:endParaRPr lang="en-GB" dirty="0">
               <a:latin typeface="Consolas" panose="020B0609020204030204" pitchFamily="49" charset="0"/>
             </a:endParaRPr>
           </a:p>
-          <a:p>
+        </p:txBody>
+      </p:sp>
+      <p:sp>
+        <p:nvSpPr>
+          <p:cNvPr id="12" name="Rectangle 11"/>
+          <p:cNvSpPr/>
+          <p:nvPr/>
+        </p:nvSpPr>
+        <p:spPr>
+          <a:xfrm>
+            <a:off x="370944" y="2561272"/>
+            <a:ext cx="6563256" cy="1477328"/>
+          </a:xfrm>
+          <a:prstGeom prst="rect">
+            <a:avLst/>
+          </a:prstGeom>
+          <a:solidFill>
+            <a:schemeClr val="accent6">
+              <a:lumMod val="20000"/>
+              <a:lumOff val="80000"/>
+            </a:schemeClr>
+          </a:solidFill>
+        </p:spPr>
+        <p:txBody>
+          <a:bodyPr wrap="square">
+            <a:spAutoFit/>
+          </a:bodyPr>
+          <a:lstStyle/>
+          <a:p>
+            <a:r>
+              <a:rPr lang="en-GB" dirty="0" smtClean="0">
+                <a:latin typeface="Consolas" panose="020B0609020204030204" pitchFamily="49" charset="0"/>
+              </a:rPr>
+              <a:t>            </a:t>
+            </a:r>
             <a:r>
               <a:rPr lang="en-GB" dirty="0">
                 <a:latin typeface="Consolas" panose="020B0609020204030204" pitchFamily="49" charset="0"/>
               </a:rPr>
-              <a:t>#   </a:t>
-            </a:r>
-            <a:r>
-              <a:rPr lang="en-GB" dirty="0" err="1" smtClean="0">
-                <a:latin typeface="Consolas" panose="020B0609020204030204" pitchFamily="49" charset="0"/>
-              </a:rPr>
-              <a:t>essex</a:t>
-            </a:r>
-            <a:r>
-              <a:rPr lang="en-GB" dirty="0" smtClean="0">
-                <a:latin typeface="Consolas" panose="020B0609020204030204" pitchFamily="49" charset="0"/>
-              </a:rPr>
-              <a:t> </a:t>
-            </a:r>
-            <a:r>
-              <a:rPr lang="en-GB" dirty="0" smtClean="0">
-                <a:latin typeface="Consolas" panose="020B0609020204030204" pitchFamily="49" charset="0"/>
-              </a:rPr>
-              <a:t>   </a:t>
-            </a:r>
-            <a:r>
-              <a:rPr lang="en-GB" dirty="0" smtClean="0">
-                <a:latin typeface="Consolas" panose="020B0609020204030204" pitchFamily="49" charset="0"/>
-              </a:rPr>
-              <a:t>16.78740  </a:t>
-            </a:r>
+              <a:t>breed</a:t>
+            </a:r>
+          </a:p>
+          <a:p>
             <a:r>
               <a:rPr lang="en-GB" dirty="0">
                 <a:latin typeface="Consolas" panose="020B0609020204030204" pitchFamily="49" charset="0"/>
               </a:rPr>
-              <a:t>14.52756  9.685039</a:t>
+              <a:t>food        welsh </a:t>
+            </a:r>
+            <a:r>
+              <a:rPr lang="en-GB" dirty="0" err="1">
+                <a:latin typeface="Consolas" panose="020B0609020204030204" pitchFamily="49" charset="0"/>
+              </a:rPr>
+              <a:t>tamworth</a:t>
+            </a:r>
+            <a:r>
+              <a:rPr lang="en-GB" dirty="0">
+                <a:latin typeface="Consolas" panose="020B0609020204030204" pitchFamily="49" charset="0"/>
+              </a:rPr>
+              <a:t> </a:t>
+            </a:r>
+            <a:r>
+              <a:rPr lang="en-GB" dirty="0" err="1">
+                <a:latin typeface="Consolas" panose="020B0609020204030204" pitchFamily="49" charset="0"/>
+              </a:rPr>
+              <a:t>essex</a:t>
+            </a:r>
+            <a:endParaRPr lang="en-GB" dirty="0">
+              <a:latin typeface="Consolas" panose="020B0609020204030204" pitchFamily="49" charset="0"/>
+            </a:endParaRPr>
+          </a:p>
+          <a:p>
+            <a:r>
+              <a:rPr lang="en-GB" dirty="0">
+                <a:latin typeface="Consolas" panose="020B0609020204030204" pitchFamily="49" charset="0"/>
+              </a:rPr>
+              <a:t>  cabbage      11       19    22</a:t>
+            </a:r>
+          </a:p>
+          <a:p>
+            <a:r>
+              <a:rPr lang="en-GB" dirty="0">
+                <a:latin typeface="Consolas" panose="020B0609020204030204" pitchFamily="49" charset="0"/>
+              </a:rPr>
+              <a:t>  </a:t>
+            </a:r>
+            <a:r>
+              <a:rPr lang="en-GB" dirty="0" err="1">
+                <a:latin typeface="Consolas" panose="020B0609020204030204" pitchFamily="49" charset="0"/>
+              </a:rPr>
+              <a:t>sugarbeet</a:t>
+            </a:r>
+            <a:r>
+              <a:rPr lang="en-GB" dirty="0">
+                <a:latin typeface="Consolas" panose="020B0609020204030204" pitchFamily="49" charset="0"/>
+              </a:rPr>
+              <a:t>    21       16     8</a:t>
+            </a:r>
+          </a:p>
+          <a:p>
+            <a:r>
+              <a:rPr lang="en-GB" dirty="0">
+                <a:latin typeface="Consolas" panose="020B0609020204030204" pitchFamily="49" charset="0"/>
+              </a:rPr>
+              <a:t>  swede         7       12    11</a:t>
             </a:r>
             <a:endParaRPr lang="en-GB" dirty="0">
               <a:latin typeface="Consolas" panose="020B0609020204030204" pitchFamily="49" charset="0"/>
@@ -22365,7 +22150,7 @@
         </p:spPr>
         <p:txBody>
           <a:bodyPr>
-            <a:normAutofit fontScale="92500" lnSpcReduction="20000"/>
+            <a:normAutofit fontScale="85000" lnSpcReduction="20000"/>
           </a:bodyPr>
           <a:lstStyle/>
           <a:p>
@@ -22373,16 +22158,21 @@
               <a:buNone/>
             </a:pPr>
             <a:r>
-              <a:rPr lang="en-GB" sz="2400" dirty="0" smtClean="0"/>
-              <a:t>Direction of deviations; size of deviation</a:t>
-            </a:r>
+              <a:rPr lang="en-GB" dirty="0"/>
+              <a:t>Direction of deviations; size of </a:t>
+            </a:r>
+            <a:r>
+              <a:rPr lang="en-GB" dirty="0" smtClean="0"/>
+              <a:t>deviation</a:t>
+            </a:r>
+            <a:endParaRPr lang="en-GB" dirty="0" smtClean="0"/>
           </a:p>
           <a:p>
             <a:pPr marL="0" lvl="1" indent="0">
               <a:buNone/>
             </a:pPr>
             <a:r>
-              <a:rPr lang="en-GB" sz="2400" dirty="0" smtClean="0"/>
+              <a:rPr lang="en-GB" dirty="0" smtClean="0"/>
               <a:t>Observed:</a:t>
             </a:r>
           </a:p>
@@ -22390,210 +22180,39 @@
       </p:sp>
       <p:sp>
         <p:nvSpPr>
-          <p:cNvPr id="8" name="Rectangle 7"/>
-          <p:cNvSpPr/>
-          <p:nvPr/>
+          <p:cNvPr id="10" name="Content Placeholder 2"/>
+          <p:cNvSpPr>
+            <a:spLocks noGrp="1"/>
+          </p:cNvSpPr>
+          <p:nvPr>
+            <p:ph idx="1"/>
+          </p:nvPr>
         </p:nvSpPr>
         <p:spPr>
           <a:xfrm>
-            <a:off x="457200" y="2637472"/>
-            <a:ext cx="6563256" cy="1477328"/>
+            <a:off x="457200" y="4114801"/>
+            <a:ext cx="8001000" cy="457199"/>
           </a:xfrm>
-          <a:prstGeom prst="rect">
-            <a:avLst/>
-          </a:prstGeom>
-          <a:solidFill>
-            <a:schemeClr val="accent6">
-              <a:lumMod val="20000"/>
-              <a:lumOff val="80000"/>
-            </a:schemeClr>
-          </a:solidFill>
         </p:spPr>
         <p:txBody>
-          <a:bodyPr wrap="square">
-            <a:spAutoFit/>
+          <a:bodyPr>
+            <a:normAutofit lnSpcReduction="10000"/>
           </a:bodyPr>
           <a:lstStyle/>
           <a:p>
-            <a:r>
-              <a:rPr lang="en-GB" dirty="0" smtClean="0">
-                <a:latin typeface="Consolas" panose="020B0609020204030204" pitchFamily="49" charset="0"/>
-              </a:rPr>
-              <a:t>#           food</a:t>
-            </a:r>
-            <a:endParaRPr lang="en-GB" dirty="0">
-              <a:latin typeface="Consolas" panose="020B0609020204030204" pitchFamily="49" charset="0"/>
-            </a:endParaRPr>
-          </a:p>
-          <a:p>
-            <a:r>
-              <a:rPr lang="en-GB" dirty="0" smtClean="0">
-                <a:latin typeface="Consolas" panose="020B0609020204030204" pitchFamily="49" charset="0"/>
-              </a:rPr>
-              <a:t># breed      </a:t>
-            </a:r>
-            <a:r>
-              <a:rPr lang="en-GB" dirty="0">
-                <a:latin typeface="Consolas" panose="020B0609020204030204" pitchFamily="49" charset="0"/>
-              </a:rPr>
-              <a:t>cabbage </a:t>
-            </a:r>
-            <a:r>
-              <a:rPr lang="en-GB" dirty="0" err="1">
-                <a:latin typeface="Consolas" panose="020B0609020204030204" pitchFamily="49" charset="0"/>
-              </a:rPr>
-              <a:t>sugarbeet</a:t>
-            </a:r>
-            <a:r>
-              <a:rPr lang="en-GB" dirty="0">
-                <a:latin typeface="Consolas" panose="020B0609020204030204" pitchFamily="49" charset="0"/>
-              </a:rPr>
-              <a:t> swede</a:t>
-            </a:r>
-          </a:p>
-          <a:p>
-            <a:r>
-              <a:rPr lang="en-GB" dirty="0" smtClean="0">
-                <a:latin typeface="Consolas" panose="020B0609020204030204" pitchFamily="49" charset="0"/>
-              </a:rPr>
-              <a:t>#   </a:t>
-            </a:r>
-            <a:r>
-              <a:rPr lang="en-GB" dirty="0">
-                <a:latin typeface="Consolas" panose="020B0609020204030204" pitchFamily="49" charset="0"/>
-              </a:rPr>
-              <a:t>welsh         </a:t>
-            </a:r>
-            <a:r>
-              <a:rPr lang="en-GB" dirty="0">
-                <a:solidFill>
-                  <a:srgbClr val="00B0F0"/>
-                </a:solidFill>
-                <a:latin typeface="Consolas" panose="020B0609020204030204" pitchFamily="49" charset="0"/>
-              </a:rPr>
-              <a:t>11</a:t>
-            </a:r>
-            <a:r>
-              <a:rPr lang="en-GB" dirty="0">
-                <a:latin typeface="Consolas" panose="020B0609020204030204" pitchFamily="49" charset="0"/>
-              </a:rPr>
-              <a:t>        </a:t>
-            </a:r>
-            <a:r>
-              <a:rPr lang="en-GB" dirty="0">
-                <a:solidFill>
-                  <a:srgbClr val="FF0000"/>
-                </a:solidFill>
-                <a:latin typeface="Consolas" panose="020B0609020204030204" pitchFamily="49" charset="0"/>
-              </a:rPr>
-              <a:t>21</a:t>
-            </a:r>
-            <a:r>
-              <a:rPr lang="en-GB" dirty="0">
-                <a:latin typeface="Consolas" panose="020B0609020204030204" pitchFamily="49" charset="0"/>
-              </a:rPr>
-              <a:t>     </a:t>
-            </a:r>
-            <a:r>
-              <a:rPr lang="en-GB" dirty="0">
-                <a:solidFill>
-                  <a:srgbClr val="00B0F0"/>
-                </a:solidFill>
-                <a:latin typeface="Consolas" panose="020B0609020204030204" pitchFamily="49" charset="0"/>
-              </a:rPr>
-              <a:t>7</a:t>
-            </a:r>
-          </a:p>
-          <a:p>
-            <a:r>
-              <a:rPr lang="en-GB" dirty="0" smtClean="0">
-                <a:latin typeface="Consolas" panose="020B0609020204030204" pitchFamily="49" charset="0"/>
-              </a:rPr>
-              <a:t>#   </a:t>
-            </a:r>
-            <a:r>
-              <a:rPr lang="en-GB" dirty="0" err="1" smtClean="0">
-                <a:latin typeface="Consolas" panose="020B0609020204030204" pitchFamily="49" charset="0"/>
-              </a:rPr>
-              <a:t>tamworth</a:t>
-            </a:r>
-            <a:r>
-              <a:rPr lang="en-GB" dirty="0" smtClean="0">
-                <a:latin typeface="Consolas" panose="020B0609020204030204" pitchFamily="49" charset="0"/>
-              </a:rPr>
-              <a:t>      </a:t>
-            </a:r>
-            <a:r>
-              <a:rPr lang="en-GB" dirty="0">
-                <a:latin typeface="Consolas" panose="020B0609020204030204" pitchFamily="49" charset="0"/>
-              </a:rPr>
-              <a:t>19        16    12</a:t>
-            </a:r>
-          </a:p>
-          <a:p>
-            <a:r>
-              <a:rPr lang="en-GB" dirty="0" smtClean="0">
-                <a:latin typeface="Consolas" panose="020B0609020204030204" pitchFamily="49" charset="0"/>
-              </a:rPr>
-              <a:t>#   </a:t>
-            </a:r>
-            <a:r>
-              <a:rPr lang="en-GB" dirty="0" err="1" smtClean="0">
-                <a:latin typeface="Consolas" panose="020B0609020204030204" pitchFamily="49" charset="0"/>
-              </a:rPr>
-              <a:t>essex</a:t>
-            </a:r>
-            <a:r>
-              <a:rPr lang="en-GB" dirty="0" smtClean="0">
-                <a:latin typeface="Consolas" panose="020B0609020204030204" pitchFamily="49" charset="0"/>
-              </a:rPr>
-              <a:t>         </a:t>
-            </a:r>
-            <a:r>
-              <a:rPr lang="en-GB" dirty="0">
-                <a:solidFill>
-                  <a:srgbClr val="FF0000"/>
-                </a:solidFill>
-                <a:latin typeface="Consolas" panose="020B0609020204030204" pitchFamily="49" charset="0"/>
-              </a:rPr>
-              <a:t>22</a:t>
-            </a:r>
-            <a:r>
-              <a:rPr lang="en-GB" dirty="0">
-                <a:latin typeface="Consolas" panose="020B0609020204030204" pitchFamily="49" charset="0"/>
-              </a:rPr>
-              <a:t>         </a:t>
-            </a:r>
-            <a:r>
-              <a:rPr lang="en-GB" dirty="0">
-                <a:solidFill>
-                  <a:srgbClr val="00B0F0"/>
-                </a:solidFill>
-                <a:latin typeface="Consolas" panose="020B0609020204030204" pitchFamily="49" charset="0"/>
-              </a:rPr>
-              <a:t>8</a:t>
-            </a:r>
-            <a:r>
-              <a:rPr lang="en-GB" dirty="0">
-                <a:latin typeface="Consolas" panose="020B0609020204030204" pitchFamily="49" charset="0"/>
-              </a:rPr>
-              <a:t>    </a:t>
-            </a:r>
-            <a:r>
-              <a:rPr lang="en-GB" dirty="0">
-                <a:solidFill>
-                  <a:srgbClr val="FF0000"/>
-                </a:solidFill>
-                <a:latin typeface="Consolas" panose="020B0609020204030204" pitchFamily="49" charset="0"/>
-              </a:rPr>
-              <a:t>11</a:t>
-            </a:r>
-          </a:p>
-        </p:txBody>
-      </p:sp>
-      <p:sp>
-        <p:nvSpPr>
-          <p:cNvPr id="9" name="Rectangle 8"/>
+            <a:pPr marL="0" lvl="1" indent="0">
+              <a:buNone/>
+            </a:pPr>
+            <a:r>
+              <a:rPr lang="en-GB" sz="2400" dirty="0" smtClean="0"/>
+              <a:t>Expected:</a:t>
+            </a:r>
+          </a:p>
+        </p:txBody>
+      </p:sp>
+      <p:sp>
+        <p:nvSpPr>
+          <p:cNvPr id="11" name="Rectangle 10"/>
           <p:cNvSpPr/>
           <p:nvPr/>
         </p:nvSpPr>
@@ -22645,10 +22264,16 @@
           </a:p>
           <a:p>
             <a:r>
+              <a:rPr lang="en-GB" dirty="0">
+                <a:latin typeface="Consolas" panose="020B0609020204030204" pitchFamily="49" charset="0"/>
+              </a:rPr>
+              <a:t> </a:t>
+            </a:r>
+            <a:r>
               <a:rPr lang="en-GB" dirty="0" smtClean="0">
                 <a:latin typeface="Consolas" panose="020B0609020204030204" pitchFamily="49" charset="0"/>
               </a:rPr>
-              <a:t>#           food</a:t>
+              <a:t>           breed</a:t>
             </a:r>
             <a:endParaRPr lang="en-GB" dirty="0">
               <a:latin typeface="Consolas" panose="020B0609020204030204" pitchFamily="49" charset="0"/>
@@ -22656,54 +22281,28 @@
           </a:p>
           <a:p>
             <a:r>
-              <a:rPr lang="en-GB" dirty="0" smtClean="0">
-                <a:latin typeface="Consolas" panose="020B0609020204030204" pitchFamily="49" charset="0"/>
-              </a:rPr>
-              <a:t># breed      </a:t>
-            </a:r>
-            <a:r>
               <a:rPr lang="en-GB" dirty="0">
                 <a:latin typeface="Consolas" panose="020B0609020204030204" pitchFamily="49" charset="0"/>
               </a:rPr>
-              <a:t>cabbage </a:t>
+              <a:t>food            welsh </a:t>
             </a:r>
             <a:r>
               <a:rPr lang="en-GB" dirty="0" err="1">
                 <a:latin typeface="Consolas" panose="020B0609020204030204" pitchFamily="49" charset="0"/>
               </a:rPr>
-              <a:t>sugarbeet</a:t>
+              <a:t>tamworth</a:t>
             </a:r>
             <a:r>
               <a:rPr lang="en-GB" dirty="0">
                 <a:latin typeface="Consolas" panose="020B0609020204030204" pitchFamily="49" charset="0"/>
               </a:rPr>
-              <a:t> swede</a:t>
-            </a:r>
-          </a:p>
-          <a:p>
-            <a:r>
-              <a:rPr lang="en-GB" dirty="0">
+              <a:t>     </a:t>
+            </a:r>
+            <a:r>
+              <a:rPr lang="en-GB" dirty="0" err="1">
                 <a:latin typeface="Consolas" panose="020B0609020204030204" pitchFamily="49" charset="0"/>
               </a:rPr>
-              <a:t>#   welsh </a:t>
-            </a:r>
-            <a:r>
-              <a:rPr lang="en-GB" dirty="0" smtClean="0">
-                <a:latin typeface="Consolas" panose="020B0609020204030204" pitchFamily="49" charset="0"/>
-              </a:rPr>
-              <a:t>   </a:t>
-            </a:r>
-            <a:r>
-              <a:rPr lang="en-GB" dirty="0" smtClean="0">
-                <a:latin typeface="Consolas" panose="020B0609020204030204" pitchFamily="49" charset="0"/>
-              </a:rPr>
-              <a:t>15.96850  </a:t>
-            </a:r>
-            <a:r>
-              <a:rPr lang="en-GB" dirty="0">
-                <a:latin typeface="Consolas" panose="020B0609020204030204" pitchFamily="49" charset="0"/>
-              </a:rPr>
-              <a:t>13.81890  9.212598</a:t>
+              <a:t>essex</a:t>
             </a:r>
             <a:endParaRPr lang="en-GB" dirty="0">
               <a:latin typeface="Consolas" panose="020B0609020204030204" pitchFamily="49" charset="0"/>
@@ -22714,108 +22313,230 @@
               <a:rPr lang="en-GB" dirty="0">
                 <a:latin typeface="Consolas" panose="020B0609020204030204" pitchFamily="49" charset="0"/>
               </a:rPr>
-              <a:t>#   </a:t>
+              <a:t>  cabbage   15.968504 19.24409 16.787402</a:t>
+            </a:r>
+          </a:p>
+          <a:p>
+            <a:r>
+              <a:rPr lang="en-GB" dirty="0">
+                <a:latin typeface="Consolas" panose="020B0609020204030204" pitchFamily="49" charset="0"/>
+              </a:rPr>
+              <a:t>  </a:t>
             </a:r>
             <a:r>
               <a:rPr lang="en-GB" dirty="0" err="1">
                 <a:latin typeface="Consolas" panose="020B0609020204030204" pitchFamily="49" charset="0"/>
               </a:rPr>
-              <a:t>tamworth</a:t>
+              <a:t>sugarbeet</a:t>
             </a:r>
             <a:r>
               <a:rPr lang="en-GB" dirty="0">
                 <a:latin typeface="Consolas" panose="020B0609020204030204" pitchFamily="49" charset="0"/>
               </a:rPr>
-              <a:t> </a:t>
-            </a:r>
+              <a:t> 13.818898 16.65354 14.527559</a:t>
+            </a:r>
+          </a:p>
+          <a:p>
             <a:r>
               <a:rPr lang="en-GB" dirty="0">
                 <a:latin typeface="Consolas" panose="020B0609020204030204" pitchFamily="49" charset="0"/>
               </a:rPr>
-              <a:t>19.24409  16.65354 11.102362</a:t>
+              <a:t>  swede      9.212598 11.10236  9.685039</a:t>
             </a:r>
             <a:endParaRPr lang="en-GB" dirty="0">
               <a:latin typeface="Consolas" panose="020B0609020204030204" pitchFamily="49" charset="0"/>
             </a:endParaRPr>
           </a:p>
-          <a:p>
+        </p:txBody>
+      </p:sp>
+      <p:sp>
+        <p:nvSpPr>
+          <p:cNvPr id="12" name="Rectangle 11"/>
+          <p:cNvSpPr/>
+          <p:nvPr/>
+        </p:nvSpPr>
+        <p:spPr>
+          <a:xfrm>
+            <a:off x="370944" y="2561272"/>
+            <a:ext cx="6563256" cy="1477328"/>
+          </a:xfrm>
+          <a:prstGeom prst="rect">
+            <a:avLst/>
+          </a:prstGeom>
+          <a:solidFill>
+            <a:schemeClr val="accent6">
+              <a:lumMod val="20000"/>
+              <a:lumOff val="80000"/>
+            </a:schemeClr>
+          </a:solidFill>
+        </p:spPr>
+        <p:txBody>
+          <a:bodyPr wrap="square">
+            <a:spAutoFit/>
+          </a:bodyPr>
+          <a:lstStyle/>
+          <a:p>
+            <a:r>
+              <a:rPr lang="en-GB" dirty="0" smtClean="0">
+                <a:latin typeface="Consolas" panose="020B0609020204030204" pitchFamily="49" charset="0"/>
+              </a:rPr>
+              <a:t>            </a:t>
+            </a:r>
             <a:r>
               <a:rPr lang="en-GB" dirty="0">
                 <a:latin typeface="Consolas" panose="020B0609020204030204" pitchFamily="49" charset="0"/>
               </a:rPr>
-              <a:t>#   </a:t>
-            </a:r>
-            <a:r>
-              <a:rPr lang="en-GB" dirty="0" err="1" smtClean="0">
-                <a:latin typeface="Consolas" panose="020B0609020204030204" pitchFamily="49" charset="0"/>
-              </a:rPr>
-              <a:t>essex</a:t>
-            </a:r>
-            <a:r>
-              <a:rPr lang="en-GB" dirty="0" smtClean="0">
-                <a:latin typeface="Consolas" panose="020B0609020204030204" pitchFamily="49" charset="0"/>
-              </a:rPr>
-              <a:t> </a:t>
-            </a:r>
-            <a:r>
-              <a:rPr lang="en-GB" dirty="0" smtClean="0">
-                <a:latin typeface="Consolas" panose="020B0609020204030204" pitchFamily="49" charset="0"/>
-              </a:rPr>
-              <a:t>   </a:t>
-            </a:r>
-            <a:r>
-              <a:rPr lang="en-GB" dirty="0" smtClean="0">
-                <a:latin typeface="Consolas" panose="020B0609020204030204" pitchFamily="49" charset="0"/>
-              </a:rPr>
-              <a:t>16.78740  </a:t>
-            </a:r>
+              <a:t>breed</a:t>
+            </a:r>
+          </a:p>
+          <a:p>
             <a:r>
               <a:rPr lang="en-GB" dirty="0">
                 <a:latin typeface="Consolas" panose="020B0609020204030204" pitchFamily="49" charset="0"/>
               </a:rPr>
-              <a:t>14.52756  9.685039</a:t>
+              <a:t>food        welsh </a:t>
+            </a:r>
+            <a:r>
+              <a:rPr lang="en-GB" dirty="0" err="1">
+                <a:latin typeface="Consolas" panose="020B0609020204030204" pitchFamily="49" charset="0"/>
+              </a:rPr>
+              <a:t>tamworth</a:t>
+            </a:r>
+            <a:r>
+              <a:rPr lang="en-GB" dirty="0">
+                <a:latin typeface="Consolas" panose="020B0609020204030204" pitchFamily="49" charset="0"/>
+              </a:rPr>
+              <a:t> </a:t>
+            </a:r>
+            <a:r>
+              <a:rPr lang="en-GB" dirty="0" err="1">
+                <a:latin typeface="Consolas" panose="020B0609020204030204" pitchFamily="49" charset="0"/>
+              </a:rPr>
+              <a:t>essex</a:t>
             </a:r>
             <a:endParaRPr lang="en-GB" dirty="0">
               <a:latin typeface="Consolas" panose="020B0609020204030204" pitchFamily="49" charset="0"/>
             </a:endParaRPr>
           </a:p>
-        </p:txBody>
-      </p:sp>
-      <p:sp>
-        <p:nvSpPr>
-          <p:cNvPr id="10" name="Content Placeholder 2"/>
-          <p:cNvSpPr>
-            <a:spLocks noGrp="1"/>
-          </p:cNvSpPr>
-          <p:nvPr>
-            <p:ph idx="1"/>
-          </p:nvPr>
-        </p:nvSpPr>
-        <p:spPr>
-          <a:xfrm>
-            <a:off x="457200" y="4114801"/>
-            <a:ext cx="8001000" cy="457199"/>
-          </a:xfrm>
-        </p:spPr>
-        <p:txBody>
-          <a:bodyPr>
-            <a:normAutofit lnSpcReduction="10000"/>
-          </a:bodyPr>
-          <a:lstStyle/>
-          <a:p>
-            <a:pPr marL="0" lvl="1" indent="0">
-              <a:buNone/>
-            </a:pPr>
-            <a:r>
-              <a:rPr lang="en-GB" sz="2400" dirty="0" smtClean="0"/>
-              <a:t>Expected:</a:t>
-            </a:r>
-          </a:p>
-        </p:txBody>
-      </p:sp>
-      <p:sp>
-        <p:nvSpPr>
-          <p:cNvPr id="11" name="Rectangle 10"/>
+          <a:p>
+            <a:r>
+              <a:rPr lang="en-GB" dirty="0">
+                <a:latin typeface="Consolas" panose="020B0609020204030204" pitchFamily="49" charset="0"/>
+              </a:rPr>
+              <a:t>  cabbage      </a:t>
+            </a:r>
+            <a:r>
+              <a:rPr lang="en-GB" dirty="0">
+                <a:solidFill>
+                  <a:srgbClr val="00B0F0"/>
+                </a:solidFill>
+                <a:latin typeface="Consolas" panose="020B0609020204030204" pitchFamily="49" charset="0"/>
+              </a:rPr>
+              <a:t>11</a:t>
+            </a:r>
+            <a:r>
+              <a:rPr lang="en-GB" dirty="0">
+                <a:latin typeface="Consolas" panose="020B0609020204030204" pitchFamily="49" charset="0"/>
+              </a:rPr>
+              <a:t>       19    </a:t>
+            </a:r>
+            <a:r>
+              <a:rPr lang="en-GB" dirty="0">
+                <a:solidFill>
+                  <a:srgbClr val="FF0000"/>
+                </a:solidFill>
+                <a:latin typeface="Consolas" panose="020B0609020204030204" pitchFamily="49" charset="0"/>
+              </a:rPr>
+              <a:t>22</a:t>
+            </a:r>
+          </a:p>
+          <a:p>
+            <a:r>
+              <a:rPr lang="en-GB" dirty="0">
+                <a:latin typeface="Consolas" panose="020B0609020204030204" pitchFamily="49" charset="0"/>
+              </a:rPr>
+              <a:t>  </a:t>
+            </a:r>
+            <a:r>
+              <a:rPr lang="en-GB" dirty="0" err="1">
+                <a:latin typeface="Consolas" panose="020B0609020204030204" pitchFamily="49" charset="0"/>
+              </a:rPr>
+              <a:t>sugarbeet</a:t>
+            </a:r>
+            <a:r>
+              <a:rPr lang="en-GB" dirty="0">
+                <a:latin typeface="Consolas" panose="020B0609020204030204" pitchFamily="49" charset="0"/>
+              </a:rPr>
+              <a:t>    </a:t>
+            </a:r>
+            <a:r>
+              <a:rPr lang="en-GB" dirty="0">
+                <a:solidFill>
+                  <a:srgbClr val="FF0000"/>
+                </a:solidFill>
+                <a:latin typeface="Consolas" panose="020B0609020204030204" pitchFamily="49" charset="0"/>
+              </a:rPr>
+              <a:t>21</a:t>
+            </a:r>
+            <a:r>
+              <a:rPr lang="en-GB" dirty="0">
+                <a:latin typeface="Consolas" panose="020B0609020204030204" pitchFamily="49" charset="0"/>
+              </a:rPr>
+              <a:t>       16     </a:t>
+            </a:r>
+            <a:r>
+              <a:rPr lang="en-GB" dirty="0">
+                <a:solidFill>
+                  <a:srgbClr val="00B0F0"/>
+                </a:solidFill>
+                <a:latin typeface="Consolas" panose="020B0609020204030204" pitchFamily="49" charset="0"/>
+              </a:rPr>
+              <a:t>8</a:t>
+            </a:r>
+          </a:p>
+          <a:p>
+            <a:r>
+              <a:rPr lang="en-GB" dirty="0">
+                <a:latin typeface="Consolas" panose="020B0609020204030204" pitchFamily="49" charset="0"/>
+              </a:rPr>
+              <a:t>  swede         </a:t>
+            </a:r>
+            <a:r>
+              <a:rPr lang="en-GB" dirty="0">
+                <a:solidFill>
+                  <a:srgbClr val="00B0F0"/>
+                </a:solidFill>
+                <a:latin typeface="Consolas" panose="020B0609020204030204" pitchFamily="49" charset="0"/>
+              </a:rPr>
+              <a:t>7</a:t>
+            </a:r>
+            <a:r>
+              <a:rPr lang="en-GB" dirty="0">
+                <a:latin typeface="Consolas" panose="020B0609020204030204" pitchFamily="49" charset="0"/>
+              </a:rPr>
+              <a:t>       12    </a:t>
+            </a:r>
+            <a:r>
+              <a:rPr lang="en-GB" dirty="0">
+                <a:solidFill>
+                  <a:srgbClr val="FF0000"/>
+                </a:solidFill>
+                <a:latin typeface="Consolas" panose="020B0609020204030204" pitchFamily="49" charset="0"/>
+              </a:rPr>
+              <a:t>11</a:t>
+            </a:r>
+            <a:endParaRPr lang="en-GB" dirty="0">
+              <a:solidFill>
+                <a:srgbClr val="FF0000"/>
+              </a:solidFill>
+              <a:latin typeface="Consolas" panose="020B0609020204030204" pitchFamily="49" charset="0"/>
+            </a:endParaRPr>
+          </a:p>
+        </p:txBody>
+      </p:sp>
+      <p:sp>
+        <p:nvSpPr>
+          <p:cNvPr id="8" name="Rectangle 7"/>
           <p:cNvSpPr/>
           <p:nvPr/>
         </p:nvSpPr>
@@ -22880,7 +22601,7 @@
     </p:spTree>
     <p:extLst>
       <p:ext uri="{BB962C8B-B14F-4D97-AF65-F5344CB8AC3E}">
-        <p14:creationId xmlns:p14="http://schemas.microsoft.com/office/powerpoint/2010/main" val="2785347304"/>
+        <p14:creationId xmlns:p14="http://schemas.microsoft.com/office/powerpoint/2010/main" val="2604468799"/>
       </p:ext>
     </p:extLst>
   </p:cSld>
@@ -23149,16 +22870,16 @@
               <a:t>showing a strong </a:t>
             </a:r>
             <a:r>
-              <a:rPr lang="en-GB" altLang="en-US" sz="2800" dirty="0" err="1" smtClean="0">
-                <a:sym typeface="Symbol" pitchFamily="18" charset="2"/>
-              </a:rPr>
-              <a:t>preferencing</a:t>
-            </a:r>
-            <a:r>
               <a:rPr lang="en-GB" altLang="en-US" sz="2800" dirty="0" smtClean="0">
                 <a:sym typeface="Symbol" pitchFamily="18" charset="2"/>
               </a:rPr>
-              <a:t> for </a:t>
+              <a:t>preference </a:t>
+            </a:r>
+            <a:r>
+              <a:rPr lang="en-GB" altLang="en-US" sz="2800" dirty="0" smtClean="0">
+                <a:sym typeface="Symbol" pitchFamily="18" charset="2"/>
+              </a:rPr>
+              <a:t>for </a:t>
             </a:r>
             <a:r>
               <a:rPr lang="en-GB" altLang="en-US" sz="2800" dirty="0" err="1" smtClean="0">
@@ -23275,13 +22996,13 @@
       </p:sp>
       <p:sp>
         <p:nvSpPr>
-          <p:cNvPr id="6" name="Rectangle 5"/>
+          <p:cNvPr id="8" name="Rectangle 7"/>
           <p:cNvSpPr/>
           <p:nvPr/>
         </p:nvSpPr>
         <p:spPr>
           <a:xfrm>
-            <a:off x="457200" y="5075872"/>
+            <a:off x="685800" y="4999672"/>
             <a:ext cx="6563256" cy="1477328"/>
           </a:xfrm>
           <a:prstGeom prst="rect">
@@ -23304,7 +23025,39 @@
               <a:rPr lang="en-GB" dirty="0" smtClean="0">
                 <a:latin typeface="Consolas" panose="020B0609020204030204" pitchFamily="49" charset="0"/>
               </a:rPr>
-              <a:t>#           food</a:t>
+              <a:t>            </a:t>
+            </a:r>
+            <a:r>
+              <a:rPr lang="en-GB" dirty="0">
+                <a:latin typeface="Consolas" panose="020B0609020204030204" pitchFamily="49" charset="0"/>
+              </a:rPr>
+              <a:t>breed</a:t>
+            </a:r>
+          </a:p>
+          <a:p>
+            <a:r>
+              <a:rPr lang="en-GB" dirty="0">
+                <a:latin typeface="Consolas" panose="020B0609020204030204" pitchFamily="49" charset="0"/>
+              </a:rPr>
+              <a:t>food        welsh </a:t>
+            </a:r>
+            <a:r>
+              <a:rPr lang="en-GB" dirty="0" err="1">
+                <a:latin typeface="Consolas" panose="020B0609020204030204" pitchFamily="49" charset="0"/>
+              </a:rPr>
+              <a:t>tamworth</a:t>
+            </a:r>
+            <a:r>
+              <a:rPr lang="en-GB" dirty="0">
+                <a:latin typeface="Consolas" panose="020B0609020204030204" pitchFamily="49" charset="0"/>
+              </a:rPr>
+              <a:t> </a:t>
+            </a:r>
+            <a:r>
+              <a:rPr lang="en-GB" dirty="0" err="1">
+                <a:latin typeface="Consolas" panose="020B0609020204030204" pitchFamily="49" charset="0"/>
+              </a:rPr>
+              <a:t>essex</a:t>
             </a:r>
             <a:endParaRPr lang="en-GB" dirty="0">
               <a:latin typeface="Consolas" panose="020B0609020204030204" pitchFamily="49" charset="0"/>
@@ -23312,16 +23065,42 @@
           </a:p>
           <a:p>
             <a:r>
-              <a:rPr lang="en-GB" dirty="0" smtClean="0">
-                <a:latin typeface="Consolas" panose="020B0609020204030204" pitchFamily="49" charset="0"/>
-              </a:rPr>
-              <a:t># breed      </a:t>
-            </a:r>
-            <a:r>
               <a:rPr lang="en-GB" dirty="0">
                 <a:latin typeface="Consolas" panose="020B0609020204030204" pitchFamily="49" charset="0"/>
               </a:rPr>
-              <a:t>cabbage </a:t>
+              <a:t>  cabbage      </a:t>
+            </a:r>
+            <a:r>
+              <a:rPr lang="en-GB" dirty="0">
+                <a:solidFill>
+                  <a:srgbClr val="00B0F0"/>
+                </a:solidFill>
+                <a:latin typeface="Consolas" panose="020B0609020204030204" pitchFamily="49" charset="0"/>
+              </a:rPr>
+              <a:t>11</a:t>
+            </a:r>
+            <a:r>
+              <a:rPr lang="en-GB" dirty="0">
+                <a:latin typeface="Consolas" panose="020B0609020204030204" pitchFamily="49" charset="0"/>
+              </a:rPr>
+              <a:t>       19    </a:t>
+            </a:r>
+            <a:r>
+              <a:rPr lang="en-GB" dirty="0">
+                <a:solidFill>
+                  <a:srgbClr val="FF0000"/>
+                </a:solidFill>
+                <a:latin typeface="Consolas" panose="020B0609020204030204" pitchFamily="49" charset="0"/>
+              </a:rPr>
+              <a:t>22</a:t>
+            </a:r>
+          </a:p>
+          <a:p>
+            <a:r>
+              <a:rPr lang="en-GB" dirty="0">
+                <a:latin typeface="Consolas" panose="020B0609020204030204" pitchFamily="49" charset="0"/>
+              </a:rPr>
+              <a:t>  </a:t>
             </a:r>
             <a:r>
               <a:rPr lang="en-GB" dirty="0" err="1">
@@ -23333,21 +23112,22 @@
               <a:rPr lang="en-GB" dirty="0">
                 <a:latin typeface="Consolas" panose="020B0609020204030204" pitchFamily="49" charset="0"/>
               </a:rPr>
-              <a:t> swede</a:t>
-            </a:r>
-          </a:p>
-          <a:p>
-            <a:r>
-              <a:rPr lang="en-GB" dirty="0" smtClean="0">
+              <a:t>    </a:t>
+            </a:r>
+            <a:r>
+              <a:rPr lang="en-GB" dirty="0">
+                <a:solidFill>
+                  <a:srgbClr val="FF0000"/>
+                </a:solidFill>
                 <a:latin typeface="Consolas" panose="020B0609020204030204" pitchFamily="49" charset="0"/>
               </a:rPr>
-              <a:t>#   </a:t>
+              <a:t>21</a:t>
             </a:r>
             <a:r>
               <a:rPr lang="en-GB" dirty="0">
                 <a:latin typeface="Consolas" panose="020B0609020204030204" pitchFamily="49" charset="0"/>
               </a:rPr>
-              <a:t>welsh         </a:t>
+              <a:t>       16     </a:t>
             </a:r>
             <a:r>
               <a:rPr lang="en-GB" dirty="0">
@@ -23356,123 +23136,46 @@
                 </a:solidFill>
                 <a:latin typeface="Consolas" panose="020B0609020204030204" pitchFamily="49" charset="0"/>
               </a:rPr>
-              <a:t>11</a:t>
-            </a:r>
+              <a:t>8</a:t>
+            </a:r>
+          </a:p>
+          <a:p>
             <a:r>
               <a:rPr lang="en-GB" dirty="0">
                 <a:latin typeface="Consolas" panose="020B0609020204030204" pitchFamily="49" charset="0"/>
               </a:rPr>
-              <a:t>        </a:t>
+              <a:t>  swede         </a:t>
             </a:r>
             <a:r>
               <a:rPr lang="en-GB" dirty="0">
                 <a:solidFill>
-                  <a:srgbClr val="FF0000"/>
+                  <a:srgbClr val="00B0F0"/>
                 </a:solidFill>
                 <a:latin typeface="Consolas" panose="020B0609020204030204" pitchFamily="49" charset="0"/>
               </a:rPr>
-              <a:t>21</a:t>
+              <a:t>7</a:t>
             </a:r>
             <a:r>
               <a:rPr lang="en-GB" dirty="0">
                 <a:latin typeface="Consolas" panose="020B0609020204030204" pitchFamily="49" charset="0"/>
               </a:rPr>
-              <a:t>     </a:t>
+              <a:t>       12    </a:t>
             </a:r>
             <a:r>
               <a:rPr lang="en-GB" dirty="0">
                 <a:solidFill>
-                  <a:srgbClr val="00B0F0"/>
+                  <a:srgbClr val="FF0000"/>
                 </a:solidFill>
                 <a:latin typeface="Consolas" panose="020B0609020204030204" pitchFamily="49" charset="0"/>
               </a:rPr>
-              <a:t>7</a:t>
-            </a:r>
-          </a:p>
-          <a:p>
-            <a:r>
-              <a:rPr lang="en-GB" dirty="0" smtClean="0">
-                <a:latin typeface="Consolas" panose="020B0609020204030204" pitchFamily="49" charset="0"/>
-              </a:rPr>
-              <a:t>#   </a:t>
-            </a:r>
-            <a:r>
-              <a:rPr lang="en-GB" dirty="0" err="1" smtClean="0">
-                <a:latin typeface="Consolas" panose="020B0609020204030204" pitchFamily="49" charset="0"/>
-              </a:rPr>
-              <a:t>tamworth</a:t>
-            </a:r>
-            <a:r>
-              <a:rPr lang="en-GB" dirty="0" smtClean="0">
-                <a:latin typeface="Consolas" panose="020B0609020204030204" pitchFamily="49" charset="0"/>
-              </a:rPr>
-              <a:t>      </a:t>
-            </a:r>
-            <a:r>
-              <a:rPr lang="en-GB" dirty="0">
-                <a:latin typeface="Consolas" panose="020B0609020204030204" pitchFamily="49" charset="0"/>
-              </a:rPr>
-              <a:t>19        16    12</a:t>
-            </a:r>
-          </a:p>
-          <a:p>
-            <a:r>
-              <a:rPr lang="en-GB" dirty="0" smtClean="0">
-                <a:latin typeface="Consolas" panose="020B0609020204030204" pitchFamily="49" charset="0"/>
-              </a:rPr>
-              <a:t>#   </a:t>
-            </a:r>
-            <a:r>
-              <a:rPr lang="en-GB" dirty="0" err="1" smtClean="0">
-                <a:latin typeface="Consolas" panose="020B0609020204030204" pitchFamily="49" charset="0"/>
-              </a:rPr>
-              <a:t>essex</a:t>
-            </a:r>
-            <a:r>
-              <a:rPr lang="en-GB" dirty="0" smtClean="0">
-                <a:latin typeface="Consolas" panose="020B0609020204030204" pitchFamily="49" charset="0"/>
-              </a:rPr>
-              <a:t>         </a:t>
-            </a:r>
-            <a:r>
-              <a:rPr lang="en-GB" dirty="0">
-                <a:solidFill>
-                  <a:srgbClr val="FF0000"/>
-                </a:solidFill>
-                <a:latin typeface="Consolas" panose="020B0609020204030204" pitchFamily="49" charset="0"/>
-              </a:rPr>
-              <a:t>22</a:t>
-            </a:r>
-            <a:r>
-              <a:rPr lang="en-GB" dirty="0">
-                <a:latin typeface="Consolas" panose="020B0609020204030204" pitchFamily="49" charset="0"/>
-              </a:rPr>
-              <a:t>         </a:t>
-            </a:r>
-            <a:r>
-              <a:rPr lang="en-GB" dirty="0">
-                <a:solidFill>
-                  <a:srgbClr val="00B0F0"/>
-                </a:solidFill>
-                <a:latin typeface="Consolas" panose="020B0609020204030204" pitchFamily="49" charset="0"/>
-              </a:rPr>
-              <a:t>8</a:t>
-            </a:r>
-            <a:r>
-              <a:rPr lang="en-GB" dirty="0">
-                <a:latin typeface="Consolas" panose="020B0609020204030204" pitchFamily="49" charset="0"/>
-              </a:rPr>
-              <a:t>    </a:t>
-            </a:r>
-            <a:r>
-              <a:rPr lang="en-GB" dirty="0">
-                <a:solidFill>
-                  <a:srgbClr val="FF0000"/>
-                </a:solidFill>
-                <a:latin typeface="Consolas" panose="020B0609020204030204" pitchFamily="49" charset="0"/>
-              </a:rPr>
               <a:t>11</a:t>
             </a:r>
+            <a:endParaRPr lang="en-GB" dirty="0">
+              <a:solidFill>
+                <a:srgbClr val="FF0000"/>
+              </a:solidFill>
+              <a:latin typeface="Consolas" panose="020B0609020204030204" pitchFamily="49" charset="0"/>
+            </a:endParaRPr>
           </a:p>
         </p:txBody>
       </p:sp>
@@ -23677,7 +23380,7 @@
             </a:r>
             <a:r>
               <a:rPr lang="en-GB" altLang="en-US" sz="2800" dirty="0" smtClean="0"/>
-              <a:t> function is good</a:t>
+              <a:t> function is useful</a:t>
             </a:r>
             <a:endParaRPr lang="en-GB" altLang="en-US" sz="2800" dirty="0" smtClean="0"/>
           </a:p>
